--- a/static/ekon/week1/index.pptx
+++ b/static/ekon/week1/index.pptx
@@ -3226,6 +3226,132 @@
             </a:pPr>
             <a:r>
               <a:rPr/>
+              <a:t>Structure of this course</a:t>
+            </a:r>
+          </a:p>
+        </p:txBody>
+      </p:sp>
+      <p:sp>
+        <p:nvSpPr>
+          <p:cNvPr id="3" name="Content Placeholder 2"/>
+          <p:cNvSpPr>
+            <a:spLocks noGrp="1"/>
+          </p:cNvSpPr>
+          <p:nvPr>
+            <p:ph idx="1"/>
+          </p:nvPr>
+        </p:nvSpPr>
+        <p:spPr/>
+        <p:txBody>
+          <a:bodyPr/>
+          <a:lstStyle/>
+          <a:p>
+            <a:pPr lvl="0"/>
+            <a:r>
+              <a:rPr/>
+              <a:t>week 12: Financial system</a:t>
+            </a:r>
+          </a:p>
+          <a:p>
+            <a:pPr lvl="1"/>
+            <a:r>
+              <a:rPr/>
+              <a:t>Banks and money</a:t>
+            </a:r>
+          </a:p>
+          <a:p>
+            <a:pPr lvl="1"/>
+            <a:r>
+              <a:rPr/>
+              <a:t>The central bank</a:t>
+            </a:r>
+          </a:p>
+          <a:p>
+            <a:pPr lvl="0"/>
+            <a:r>
+              <a:rPr/>
+              <a:t>week 13: Monetary policy</a:t>
+            </a:r>
+          </a:p>
+          <a:p>
+            <a:pPr lvl="1"/>
+            <a:r>
+              <a:rPr/>
+              <a:t>interest rate</a:t>
+            </a:r>
+          </a:p>
+          <a:p>
+            <a:pPr lvl="1"/>
+            <a:r>
+              <a:rPr/>
+              <a:t>central bank instruments</a:t>
+            </a:r>
+          </a:p>
+          <a:p>
+            <a:pPr lvl="0"/>
+            <a:r>
+              <a:rPr/>
+              <a:t>week 14: international economies</a:t>
+            </a:r>
+          </a:p>
+          <a:p>
+            <a:pPr lvl="1"/>
+            <a:r>
+              <a:rPr/>
+              <a:t>trade policy</a:t>
+            </a:r>
+          </a:p>
+          <a:p>
+            <a:pPr lvl="1"/>
+            <a:r>
+              <a:rPr/>
+              <a:t>international capital and exchange rate</a:t>
+            </a:r>
+          </a:p>
+        </p:txBody>
+      </p:sp>
+    </p:spTree>
+  </p:cSld>
+</p:sld>
+</file>
+
+<file path=ppt/slides/slide11.xml><?xml version="1.0" encoding="utf-8"?>
+<p:sld xmlns:a="http://schemas.openxmlformats.org/drawingml/2006/main" xmlns:r="http://schemas.openxmlformats.org/officeDocument/2006/relationships" xmlns:p="http://schemas.openxmlformats.org/presentationml/2006/main">
+  <p:cSld>
+    <p:spTree>
+      <p:nvGrpSpPr>
+        <p:cNvPr id="1" name=""/>
+        <p:cNvGrpSpPr/>
+        <p:nvPr/>
+      </p:nvGrpSpPr>
+      <p:grpSpPr>
+        <a:xfrm>
+          <a:off x="0" y="0"/>
+          <a:ext cx="0" cy="0"/>
+          <a:chOff x="0" y="0"/>
+          <a:chExt cx="0" cy="0"/>
+        </a:xfrm>
+      </p:grpSpPr>
+      <p:sp>
+        <p:nvSpPr>
+          <p:cNvPr id="2" name="Title 1"/>
+          <p:cNvSpPr>
+            <a:spLocks noGrp="1"/>
+          </p:cNvSpPr>
+          <p:nvPr>
+            <p:ph type="title"/>
+          </p:nvPr>
+        </p:nvSpPr>
+        <p:spPr/>
+        <p:txBody>
+          <a:bodyPr/>
+          <a:lstStyle/>
+          <a:p>
+            <a:pPr lvl="0" indent="0" marL="0">
+              <a:buNone/>
+            </a:pPr>
+            <a:r>
+              <a:rPr/>
               <a:t>Evaluation ✍🏾</a:t>
             </a:r>
           </a:p>
@@ -3456,58 +3582,6 @@
 </p:sld>
 </file>
 
-<file path=ppt/slides/slide11.xml><?xml version="1.0" encoding="utf-8"?>
-<p:sld xmlns:a="http://schemas.openxmlformats.org/drawingml/2006/main" xmlns:r="http://schemas.openxmlformats.org/officeDocument/2006/relationships" xmlns:p="http://schemas.openxmlformats.org/presentationml/2006/main">
-  <p:cSld>
-    <p:spTree>
-      <p:nvGrpSpPr>
-        <p:cNvPr id="1" name=""/>
-        <p:cNvGrpSpPr/>
-        <p:nvPr/>
-      </p:nvGrpSpPr>
-      <p:grpSpPr>
-        <a:xfrm>
-          <a:off x="0" y="0"/>
-          <a:ext cx="0" cy="0"/>
-          <a:chOff x="0" y="0"/>
-          <a:chExt cx="0" cy="0"/>
-        </a:xfrm>
-      </p:grpSpPr>
-      <p:sp>
-        <p:nvSpPr>
-          <p:cNvPr id="3" name="Content Placeholder 2"/>
-          <p:cNvSpPr>
-            <a:spLocks noGrp="1"/>
-          </p:cNvSpPr>
-          <p:nvPr>
-            <p:ph idx="1"/>
-          </p:nvPr>
-        </p:nvSpPr>
-        <p:spPr/>
-        <p:txBody>
-          <a:bodyPr/>
-          <a:lstStyle/>
-          <a:p>
-            <a:pPr lvl="0"/>
-            <a:r>
-              <a:rPr/>
-              <a:t>Slides should be enough to get a good grade.</a:t>
-            </a:r>
-          </a:p>
-          <a:p>
-            <a:pPr lvl="0"/>
-            <a:r>
-              <a:rPr/>
-              <a:t>However, to get an A, you should master the principle.</a:t>
-            </a:r>
-          </a:p>
-        </p:txBody>
-      </p:sp>
-    </p:spTree>
-  </p:cSld>
-</p:sld>
-</file>
-
 <file path=ppt/slides/slide12.xml><?xml version="1.0" encoding="utf-8"?>
 <p:sld xmlns:a="http://schemas.openxmlformats.org/drawingml/2006/main" xmlns:r="http://schemas.openxmlformats.org/officeDocument/2006/relationships" xmlns:p="http://schemas.openxmlformats.org/presentationml/2006/main">
   <p:cSld>
@@ -3527,31 +3601,6 @@
       </p:grpSpPr>
       <p:sp>
         <p:nvSpPr>
-          <p:cNvPr id="2" name="Title 1"/>
-          <p:cNvSpPr>
-            <a:spLocks noGrp="1"/>
-          </p:cNvSpPr>
-          <p:nvPr>
-            <p:ph type="title"/>
-          </p:nvPr>
-        </p:nvSpPr>
-        <p:spPr/>
-        <p:txBody>
-          <a:bodyPr/>
-          <a:lstStyle/>
-          <a:p>
-            <a:pPr lvl="0" indent="0" marL="0">
-              <a:buNone/>
-            </a:pPr>
-            <a:r>
-              <a:rPr/>
-              <a:t>Assignment</a:t>
-            </a:r>
-          </a:p>
-        </p:txBody>
-      </p:sp>
-      <p:sp>
-        <p:nvSpPr>
           <p:cNvPr id="3" name="Content Placeholder 2"/>
           <p:cNvSpPr>
             <a:spLocks noGrp="1"/>
@@ -3568,35 +3617,21 @@
             <a:pPr lvl="0"/>
             <a:r>
               <a:rPr/>
-              <a:t>You’re divided into 7 groups! (you should already have a group by next week!)</a:t>
-            </a:r>
-          </a:p>
-          <a:p>
-            <a:pPr lvl="0"/>
-            <a:r>
-              <a:rPr/>
-              <a:t>each group writes a paper (makalah) &amp; a presentation slide.</a:t>
-            </a:r>
-          </a:p>
-          <a:p>
-            <a:pPr lvl="0"/>
-            <a:r>
-              <a:rPr/>
-              <a:t>During a group’s presentation, others ask questions (at least 1 per group)</a:t>
-            </a:r>
-          </a:p>
-          <a:p>
-            <a:pPr lvl="0"/>
-            <a:r>
-              <a:rPr/>
-              <a:t>Presentation will begin in week 4.</a:t>
-            </a:r>
-          </a:p>
-          <a:p>
-            <a:pPr lvl="0"/>
-            <a:r>
-              <a:rPr/>
-              <a:t>I will randomize which groups do what.</a:t>
+              <a:t>Slides should be enough to get a good grade.</a:t>
+            </a:r>
+          </a:p>
+          <a:p>
+            <a:pPr lvl="0"/>
+            <a:r>
+              <a:rPr/>
+              <a:t>However, to get an A, you should master the principle.</a:t>
+            </a:r>
+          </a:p>
+          <a:p>
+            <a:pPr lvl="1"/>
+            <a:r>
+              <a:rPr/>
+              <a:t>The more logic you use, the less memory you’re going to need.</a:t>
             </a:r>
           </a:p>
         </p:txBody>
@@ -3607,6 +3642,104 @@
 </file>
 
 <file path=ppt/slides/slide13.xml><?xml version="1.0" encoding="utf-8"?>
+<p:sld xmlns:a="http://schemas.openxmlformats.org/drawingml/2006/main" xmlns:r="http://schemas.openxmlformats.org/officeDocument/2006/relationships" xmlns:p="http://schemas.openxmlformats.org/presentationml/2006/main">
+  <p:cSld>
+    <p:spTree>
+      <p:nvGrpSpPr>
+        <p:cNvPr id="1" name=""/>
+        <p:cNvGrpSpPr/>
+        <p:nvPr/>
+      </p:nvGrpSpPr>
+      <p:grpSpPr>
+        <a:xfrm>
+          <a:off x="0" y="0"/>
+          <a:ext cx="0" cy="0"/>
+          <a:chOff x="0" y="0"/>
+          <a:chExt cx="0" cy="0"/>
+        </a:xfrm>
+      </p:grpSpPr>
+      <p:sp>
+        <p:nvSpPr>
+          <p:cNvPr id="2" name="Title 1"/>
+          <p:cNvSpPr>
+            <a:spLocks noGrp="1"/>
+          </p:cNvSpPr>
+          <p:nvPr>
+            <p:ph type="title"/>
+          </p:nvPr>
+        </p:nvSpPr>
+        <p:spPr/>
+        <p:txBody>
+          <a:bodyPr/>
+          <a:lstStyle/>
+          <a:p>
+            <a:pPr lvl="0" indent="0" marL="0">
+              <a:buNone/>
+            </a:pPr>
+            <a:r>
+              <a:rPr/>
+              <a:t>Assignment</a:t>
+            </a:r>
+          </a:p>
+        </p:txBody>
+      </p:sp>
+      <p:sp>
+        <p:nvSpPr>
+          <p:cNvPr id="3" name="Content Placeholder 2"/>
+          <p:cNvSpPr>
+            <a:spLocks noGrp="1"/>
+          </p:cNvSpPr>
+          <p:nvPr>
+            <p:ph idx="1"/>
+          </p:nvPr>
+        </p:nvSpPr>
+        <p:spPr/>
+        <p:txBody>
+          <a:bodyPr/>
+          <a:lstStyle/>
+          <a:p>
+            <a:pPr lvl="0"/>
+            <a:r>
+              <a:rPr/>
+              <a:t>You’re divided into 7 groups! (you should already have a group by next week!)</a:t>
+            </a:r>
+          </a:p>
+          <a:p>
+            <a:pPr lvl="0"/>
+            <a:r>
+              <a:rPr/>
+              <a:t>each group writes a paper (makalah) &amp; a presentation slide.</a:t>
+            </a:r>
+          </a:p>
+          <a:p>
+            <a:pPr lvl="0"/>
+            <a:r>
+              <a:rPr/>
+              <a:t>During a group’s presentation, others ask questions (at least 1 per group)</a:t>
+            </a:r>
+          </a:p>
+          <a:p>
+            <a:pPr lvl="0"/>
+            <a:r>
+              <a:rPr/>
+              <a:t>Presentation will begin in week 4.</a:t>
+            </a:r>
+          </a:p>
+          <a:p>
+            <a:pPr lvl="0"/>
+            <a:r>
+              <a:rPr/>
+              <a:t>I will randomize which groups do what.</a:t>
+            </a:r>
+          </a:p>
+        </p:txBody>
+      </p:sp>
+    </p:spTree>
+  </p:cSld>
+</p:sld>
+</file>
+
+<file path=ppt/slides/slide14.xml><?xml version="1.0" encoding="utf-8"?>
 <p:sld xmlns:a="http://schemas.openxmlformats.org/drawingml/2006/main" xmlns:r="http://schemas.openxmlformats.org/officeDocument/2006/relationships" xmlns:p="http://schemas.openxmlformats.org/presentationml/2006/main">
   <p:cSld>
     <p:spTree>
@@ -4183,83 +4316,6 @@
 </p:sld>
 </file>
 
-<file path=ppt/slides/slide14.xml><?xml version="1.0" encoding="utf-8"?>
-<p:sld xmlns:a="http://schemas.openxmlformats.org/drawingml/2006/main" xmlns:r="http://schemas.openxmlformats.org/officeDocument/2006/relationships" xmlns:p="http://schemas.openxmlformats.org/presentationml/2006/main">
-  <p:cSld>
-    <p:spTree>
-      <p:nvGrpSpPr>
-        <p:cNvPr id="1" name=""/>
-        <p:cNvGrpSpPr/>
-        <p:nvPr/>
-      </p:nvGrpSpPr>
-      <p:grpSpPr>
-        <a:xfrm>
-          <a:off x="0" y="0"/>
-          <a:ext cx="0" cy="0"/>
-          <a:chOff x="0" y="0"/>
-          <a:chExt cx="0" cy="0"/>
-        </a:xfrm>
-      </p:grpSpPr>
-      <p:sp>
-        <p:nvSpPr>
-          <p:cNvPr id="2" name="Title 1"/>
-          <p:cNvSpPr>
-            <a:spLocks noGrp="1"/>
-          </p:cNvSpPr>
-          <p:nvPr>
-            <p:ph type="title"/>
-          </p:nvPr>
-        </p:nvSpPr>
-        <p:spPr/>
-        <p:txBody>
-          <a:bodyPr/>
-          <a:lstStyle/>
-          <a:p>
-            <a:pPr lvl="0" indent="0" marL="0">
-              <a:buNone/>
-            </a:pPr>
-            <a:r>
-              <a:rPr/>
-              <a:t>Lastly</a:t>
-            </a:r>
-          </a:p>
-        </p:txBody>
-      </p:sp>
-      <p:sp>
-        <p:nvSpPr>
-          <p:cNvPr id="3" name="Content Placeholder 2"/>
-          <p:cNvSpPr>
-            <a:spLocks noGrp="1"/>
-          </p:cNvSpPr>
-          <p:nvPr>
-            <p:ph idx="1"/>
-          </p:nvPr>
-        </p:nvSpPr>
-        <p:spPr/>
-        <p:txBody>
-          <a:bodyPr/>
-          <a:lstStyle/>
-          <a:p>
-            <a:pPr lvl="0"/>
-            <a:r>
-              <a:rPr/>
-              <a:t>The course conveners are I Made Krisna (Imed) &amp; Mas Rangga Cili.</a:t>
-            </a:r>
-          </a:p>
-          <a:p>
-            <a:pPr lvl="0"/>
-            <a:r>
-              <a:rPr/>
-              <a:t>Contact us anytime but we may have delayed responses. Alternatively just show up to our offices.</a:t>
-            </a:r>
-          </a:p>
-        </p:txBody>
-      </p:sp>
-    </p:spTree>
-  </p:cSld>
-</p:sld>
-</file>
-
 <file path=ppt/slides/slide15.xml><?xml version="1.0" encoding="utf-8"?>
 <p:sld xmlns:a="http://schemas.openxmlformats.org/drawingml/2006/main" xmlns:r="http://schemas.openxmlformats.org/officeDocument/2006/relationships" xmlns:p="http://schemas.openxmlformats.org/presentationml/2006/main">
   <p:cSld>
@@ -5928,7 +5984,7 @@
             </a:pPr>
             <a:r>
               <a:rPr/>
-              <a:t>Some expectations from student</a:t>
+              <a:t>Your convenors</a:t>
             </a:r>
           </a:p>
         </p:txBody>
@@ -5951,28 +6007,14 @@
             <a:pPr lvl="0"/>
             <a:r>
               <a:rPr/>
-              <a:t>No prior knowledge is required.</a:t>
-            </a:r>
-          </a:p>
-          <a:p>
-            <a:pPr lvl="0"/>
-            <a:r>
-              <a:rPr/>
-              <a:t>Please be active and ask questions.</a:t>
-            </a:r>
-          </a:p>
-          <a:p>
-            <a:pPr lvl="0"/>
-            <a:r>
-              <a:rPr/>
-              <a:t>Do your assignments &amp; be active.</a:t>
-            </a:r>
-          </a:p>
-          <a:p>
-            <a:pPr lvl="0"/>
-            <a:r>
-              <a:rPr/>
-              <a:t>No cheating! Especially during exams.</a:t>
+              <a:t>The course conveners are I Made Krisna (Imed) &amp; Mas Rangga Cili.</a:t>
+            </a:r>
+          </a:p>
+          <a:p>
+            <a:pPr lvl="0"/>
+            <a:r>
+              <a:rPr/>
+              <a:t>Contact us anytime but we may have delayed responses. Alternatively just show up to our offices.</a:t>
             </a:r>
           </a:p>
         </p:txBody>
@@ -6019,7 +6061,7 @@
             </a:pPr>
             <a:r>
               <a:rPr/>
-              <a:t>Some rules</a:t>
+              <a:t>Some expectations from student</a:t>
             </a:r>
           </a:p>
         </p:txBody>
@@ -6042,35 +6084,35 @@
             <a:pPr lvl="0"/>
             <a:r>
               <a:rPr/>
-              <a:t>The lectures will be about 1.5 - 2 hours length.</a:t>
-            </a:r>
-          </a:p>
-          <a:p>
-            <a:pPr lvl="0"/>
-            <a:r>
-              <a:rPr/>
-              <a:t>I expect all students to pay attention.</a:t>
+              <a:t>No prior knowledge is required.</a:t>
             </a:r>
           </a:p>
           <a:p>
             <a:pPr lvl="1"/>
             <a:r>
               <a:rPr/>
-              <a:t>I would greatly appreciate you turning on your cams.</a:t>
-            </a:r>
-          </a:p>
-          <a:p>
-            <a:pPr lvl="0"/>
-            <a:r>
-              <a:rPr/>
-              <a:t>Feel free to interrupt my class with questions.</a:t>
-            </a:r>
-          </a:p>
-          <a:p>
-            <a:pPr lvl="0"/>
-            <a:r>
-              <a:rPr/>
-              <a:t>email me at imade.krisna@poltekapp.ac.id</a:t>
+              <a:t>We do expect you to understand Cartesian Plane.</a:t>
+            </a:r>
+          </a:p>
+          <a:p>
+            <a:pPr lvl="0"/>
+            <a:r>
+              <a:rPr/>
+              <a:t>Please be active and ask questions.</a:t>
+            </a:r>
+          </a:p>
+          <a:p>
+            <a:pPr lvl="0"/>
+            <a:r>
+              <a:rPr/>
+              <a:t>Do your assignments &amp; be active.</a:t>
+            </a:r>
+          </a:p>
+          <a:p>
+            <a:pPr lvl="0"/>
+            <a:r>
+              <a:rPr/>
+              <a:t>No cheating! Especially during exams.</a:t>
             </a:r>
           </a:p>
         </p:txBody>
@@ -6117,7 +6159,7 @@
             </a:pPr>
             <a:r>
               <a:rPr/>
-              <a:t>Structure of this course</a:t>
+              <a:t>Some rules</a:t>
             </a:r>
           </a:p>
         </p:txBody>
@@ -6140,91 +6182,28 @@
             <a:pPr lvl="0"/>
             <a:r>
               <a:rPr/>
-              <a:t>week 1: introduction</a:t>
-            </a:r>
-          </a:p>
-          <a:p>
-            <a:pPr lvl="1"/>
-            <a:r>
-              <a:rPr/>
-              <a:t>housekeeping</a:t>
-            </a:r>
-          </a:p>
-          <a:p>
-            <a:pPr lvl="1"/>
-            <a:r>
-              <a:rPr/>
-              <a:t>some principles</a:t>
-            </a:r>
-          </a:p>
-          <a:p>
-            <a:pPr lvl="0"/>
-            <a:r>
-              <a:rPr/>
-              <a:t>week 2: supply and demand</a:t>
-            </a:r>
-          </a:p>
-          <a:p>
-            <a:pPr lvl="1"/>
-            <a:r>
-              <a:rPr/>
-              <a:t>supply and demand curves</a:t>
-            </a:r>
-          </a:p>
-          <a:p>
-            <a:pPr lvl="1"/>
-            <a:r>
-              <a:rPr/>
-              <a:t>perfect market equilibrium</a:t>
-            </a:r>
-          </a:p>
-          <a:p>
-            <a:pPr lvl="0"/>
-            <a:r>
-              <a:rPr/>
-              <a:t>week 3: Meddling with the market</a:t>
-            </a:r>
-          </a:p>
-          <a:p>
-            <a:pPr lvl="1"/>
-            <a:r>
-              <a:rPr/>
-              <a:t>tax and quantity control</a:t>
-            </a:r>
-          </a:p>
-          <a:p>
-            <a:pPr lvl="1"/>
-            <a:r>
-              <a:rPr/>
-              <a:t>price elasticity</a:t>
-            </a:r>
-          </a:p>
-          <a:p>
-            <a:pPr lvl="0"/>
-            <a:r>
-              <a:rPr/>
-              <a:t>week 4: firm problem</a:t>
-            </a:r>
-          </a:p>
-          <a:p>
-            <a:pPr lvl="1"/>
-            <a:r>
-              <a:rPr/>
-              <a:t>production function</a:t>
-            </a:r>
-          </a:p>
-          <a:p>
-            <a:pPr lvl="1"/>
-            <a:r>
-              <a:rPr/>
-              <a:t>marginal cost and average cost</a:t>
-            </a:r>
-          </a:p>
-          <a:p>
-            <a:pPr lvl="1"/>
-            <a:r>
-              <a:rPr/>
-              <a:t>perfect competition</a:t>
+              <a:t>The lectures will be about 1.5 - 2 hours length.</a:t>
+            </a:r>
+          </a:p>
+          <a:p>
+            <a:pPr lvl="0"/>
+            <a:r>
+              <a:rPr/>
+              <a:t>I expect all students to pay attention.</a:t>
+            </a:r>
+          </a:p>
+          <a:p>
+            <a:pPr lvl="0"/>
+            <a:r>
+              <a:rPr/>
+              <a:t>Feel free to interrupt my class with questions.</a:t>
+            </a:r>
+          </a:p>
+          <a:p>
+            <a:pPr lvl="0"/>
+            <a:r>
+              <a:rPr/>
+              <a:t>email me at imade.krisna@poltekapp.ac.id</a:t>
             </a:r>
           </a:p>
         </p:txBody>
@@ -6294,72 +6273,91 @@
             <a:pPr lvl="0"/>
             <a:r>
               <a:rPr/>
-              <a:t>week 5: Monopoly &amp; oligopoly</a:t>
+              <a:t>week 1: introduction</a:t>
             </a:r>
           </a:p>
           <a:p>
             <a:pPr lvl="1"/>
             <a:r>
               <a:rPr/>
-              <a:t>price discrimination</a:t>
+              <a:t>housekeeping</a:t>
             </a:r>
           </a:p>
           <a:p>
             <a:pPr lvl="1"/>
             <a:r>
               <a:rPr/>
-              <a:t>game theory intro</a:t>
-            </a:r>
-          </a:p>
-          <a:p>
-            <a:pPr lvl="0"/>
-            <a:r>
-              <a:rPr/>
-              <a:t>week 6: Externalities &amp; public goods</a:t>
+              <a:t>some principles</a:t>
+            </a:r>
+          </a:p>
+          <a:p>
+            <a:pPr lvl="0"/>
+            <a:r>
+              <a:rPr/>
+              <a:t>week 2: supply and demand</a:t>
             </a:r>
           </a:p>
           <a:p>
             <a:pPr lvl="1"/>
             <a:r>
               <a:rPr/>
-              <a:t>deviation from perfect market</a:t>
+              <a:t>supply and demand curves</a:t>
             </a:r>
           </a:p>
           <a:p>
             <a:pPr lvl="1"/>
             <a:r>
               <a:rPr/>
-              <a:t>policies that work</a:t>
-            </a:r>
-          </a:p>
-          <a:p>
-            <a:pPr lvl="0"/>
-            <a:r>
-              <a:rPr/>
-              <a:t>week 7: Welfare</a:t>
+              <a:t>perfect market equilibrium</a:t>
+            </a:r>
+          </a:p>
+          <a:p>
+            <a:pPr lvl="0"/>
+            <a:r>
+              <a:rPr/>
+              <a:t>week 3: Meddling with the market</a:t>
             </a:r>
           </a:p>
           <a:p>
             <a:pPr lvl="1"/>
             <a:r>
               <a:rPr/>
-              <a:t>Poverty &amp; inequality</a:t>
+              <a:t>tax and quantity control</a:t>
             </a:r>
           </a:p>
           <a:p>
             <a:pPr lvl="1"/>
             <a:r>
               <a:rPr/>
-              <a:t>firms under different welfare setting</a:t>
-            </a:r>
-          </a:p>
-          <a:p>
-            <a:pPr lvl="0" indent="0" marL="0">
-              <a:buNone/>
-            </a:pPr>
-            <a:r>
-              <a:rPr/>
-              <a:t>*** MIDTERM EXAM ***</a:t>
+              <a:t>price elasticity</a:t>
+            </a:r>
+          </a:p>
+          <a:p>
+            <a:pPr lvl="0"/>
+            <a:r>
+              <a:rPr/>
+              <a:t>week 4: firm problem</a:t>
+            </a:r>
+          </a:p>
+          <a:p>
+            <a:pPr lvl="1"/>
+            <a:r>
+              <a:rPr/>
+              <a:t>production function</a:t>
+            </a:r>
+          </a:p>
+          <a:p>
+            <a:pPr lvl="1"/>
+            <a:r>
+              <a:rPr/>
+              <a:t>marginal cost and average cost</a:t>
+            </a:r>
+          </a:p>
+          <a:p>
+            <a:pPr lvl="1"/>
+            <a:r>
+              <a:rPr/>
+              <a:t>perfect competition</a:t>
             </a:r>
           </a:p>
         </p:txBody>
@@ -6429,84 +6427,72 @@
             <a:pPr lvl="0"/>
             <a:r>
               <a:rPr/>
-              <a:t>week 8: Macro basics</a:t>
+              <a:t>week 5: Monopoly &amp; oligopoly</a:t>
             </a:r>
           </a:p>
           <a:p>
             <a:pPr lvl="1"/>
             <a:r>
               <a:rPr/>
-              <a:t>accounting and growth</a:t>
+              <a:t>price discrimination</a:t>
             </a:r>
           </a:p>
           <a:p>
             <a:pPr lvl="1"/>
             <a:r>
               <a:rPr/>
-              <a:t>inflation and international imbalances</a:t>
-            </a:r>
-          </a:p>
-          <a:p>
-            <a:pPr lvl="0"/>
-            <a:r>
-              <a:rPr/>
-              <a:t>week 9: GDP, inflation and unemployment</a:t>
+              <a:t>game theory intro</a:t>
+            </a:r>
+          </a:p>
+          <a:p>
+            <a:pPr lvl="0"/>
+            <a:r>
+              <a:rPr/>
+              <a:t>week 6: Externalities &amp; public goods</a:t>
             </a:r>
           </a:p>
           <a:p>
             <a:pPr lvl="1"/>
             <a:r>
               <a:rPr/>
-              <a:t>Measuring economy and price</a:t>
+              <a:t>deviation from perfect market</a:t>
             </a:r>
           </a:p>
           <a:p>
             <a:pPr lvl="1"/>
             <a:r>
               <a:rPr/>
-              <a:t>unemployment</a:t>
-            </a:r>
-          </a:p>
-          <a:p>
-            <a:pPr lvl="0"/>
-            <a:r>
-              <a:rPr/>
-              <a:t>week 10: Long run growth</a:t>
+              <a:t>policies that work</a:t>
+            </a:r>
+          </a:p>
+          <a:p>
+            <a:pPr lvl="0"/>
+            <a:r>
+              <a:rPr/>
+              <a:t>week 7: Welfare</a:t>
             </a:r>
           </a:p>
           <a:p>
             <a:pPr lvl="1"/>
             <a:r>
               <a:rPr/>
-              <a:t>Dynamics of economic growth</a:t>
+              <a:t>Poverty &amp; inequality</a:t>
             </a:r>
           </a:p>
           <a:p>
             <a:pPr lvl="1"/>
             <a:r>
               <a:rPr/>
-              <a:t>Aggregate demand and supply</a:t>
-            </a:r>
-          </a:p>
-          <a:p>
-            <a:pPr lvl="0"/>
-            <a:r>
-              <a:rPr/>
-              <a:t>week 11: Fiscal policy</a:t>
-            </a:r>
-          </a:p>
-          <a:p>
-            <a:pPr lvl="1"/>
-            <a:r>
-              <a:rPr/>
-              <a:t>demand shock</a:t>
-            </a:r>
-          </a:p>
-          <a:p>
-            <a:pPr lvl="1"/>
-            <a:r>
-              <a:rPr/>
-              <a:t>the state budget</a:t>
+              <a:t>firms under different welfare setting</a:t>
+            </a:r>
+          </a:p>
+          <a:p>
+            <a:pPr lvl="0" indent="0" marL="0">
+              <a:buNone/>
+            </a:pPr>
+            <a:r>
+              <a:rPr/>
+              <a:t>*** MIDTERM EXAM ***</a:t>
             </a:r>
           </a:p>
         </p:txBody>
@@ -6576,63 +6562,84 @@
             <a:pPr lvl="0"/>
             <a:r>
               <a:rPr/>
-              <a:t>week 12: Financial system</a:t>
+              <a:t>week 8: Macro basics</a:t>
             </a:r>
           </a:p>
           <a:p>
             <a:pPr lvl="1"/>
             <a:r>
               <a:rPr/>
-              <a:t>Banks and money</a:t>
+              <a:t>accounting and growth</a:t>
             </a:r>
           </a:p>
           <a:p>
             <a:pPr lvl="1"/>
             <a:r>
               <a:rPr/>
-              <a:t>The central bank</a:t>
-            </a:r>
-          </a:p>
-          <a:p>
-            <a:pPr lvl="0"/>
-            <a:r>
-              <a:rPr/>
-              <a:t>week 13: Monetary policy</a:t>
+              <a:t>inflation and international imbalances</a:t>
+            </a:r>
+          </a:p>
+          <a:p>
+            <a:pPr lvl="0"/>
+            <a:r>
+              <a:rPr/>
+              <a:t>week 9: GDP, inflation and unemployment</a:t>
             </a:r>
           </a:p>
           <a:p>
             <a:pPr lvl="1"/>
             <a:r>
               <a:rPr/>
-              <a:t>interest rate</a:t>
+              <a:t>Measuring economy and price</a:t>
             </a:r>
           </a:p>
           <a:p>
             <a:pPr lvl="1"/>
             <a:r>
               <a:rPr/>
-              <a:t>central bank instruments</a:t>
-            </a:r>
-          </a:p>
-          <a:p>
-            <a:pPr lvl="0"/>
-            <a:r>
-              <a:rPr/>
-              <a:t>week 14: international economies</a:t>
+              <a:t>unemployment</a:t>
+            </a:r>
+          </a:p>
+          <a:p>
+            <a:pPr lvl="0"/>
+            <a:r>
+              <a:rPr/>
+              <a:t>week 10: Long run growth</a:t>
             </a:r>
           </a:p>
           <a:p>
             <a:pPr lvl="1"/>
             <a:r>
               <a:rPr/>
-              <a:t>trade policy</a:t>
+              <a:t>Dynamics of economic growth</a:t>
             </a:r>
           </a:p>
           <a:p>
             <a:pPr lvl="1"/>
             <a:r>
               <a:rPr/>
-              <a:t>international capital and exchange rate</a:t>
+              <a:t>Aggregate demand and supply</a:t>
+            </a:r>
+          </a:p>
+          <a:p>
+            <a:pPr lvl="0"/>
+            <a:r>
+              <a:rPr/>
+              <a:t>week 11: Fiscal policy</a:t>
+            </a:r>
+          </a:p>
+          <a:p>
+            <a:pPr lvl="1"/>
+            <a:r>
+              <a:rPr/>
+              <a:t>demand shock</a:t>
+            </a:r>
+          </a:p>
+          <a:p>
+            <a:pPr lvl="1"/>
+            <a:r>
+              <a:rPr/>
+              <a:t>the state budget</a:t>
             </a:r>
           </a:p>
         </p:txBody>

--- a/static/ekon/week1/index.pptx
+++ b/static/ekon/week1/index.pptx
@@ -5318,7 +5318,7 @@
             <a:pPr lvl="1"/>
             <a:r>
               <a:rPr/>
-              <a:t>why make our own server if we can use ?</a:t>
+              <a:t>why make our own server if we can use AWS?</a:t>
             </a:r>
           </a:p>
           <a:p>
@@ -5416,7 +5416,7 @@
             <a:pPr lvl="0"/>
             <a:r>
               <a:rPr/>
-              <a:t>People will buy cheaper products given the same price.</a:t>
+              <a:t>People will buy cheaper products given the same quality.</a:t>
             </a:r>
           </a:p>
           <a:p>

--- a/static/ekon/week1/index.pptx
+++ b/static/ekon/week1/index.pptx
@@ -3802,10 +3802,10 @@
                 <a:tableStyleId>{5C22544A-7EE6-4342-B048-85BDC9FD1C3A}</a:tableStyleId>
               </a:tblPr>
               <a:tblGrid>
-                <a:gridCol w="2057400"/>
-                <a:gridCol w="2057400"/>
-                <a:gridCol w="2057400"/>
-                <a:gridCol w="2057400"/>
+                <a:gridCol w="1371600"/>
+                <a:gridCol w="2743200"/>
+                <a:gridCol w="2743200"/>
+                <a:gridCol w="1371600"/>
               </a:tblGrid>
               <a:tr h="0">
                 <a:tc>
@@ -6007,7 +6007,7 @@
             <a:pPr lvl="0"/>
             <a:r>
               <a:rPr/>
-              <a:t>The course conveners are I Made Krisna (Imed) &amp; Mas Rangga Cili.</a:t>
+              <a:t>The course conveners are I Made Krisna (Imed) &amp; Intan Vierke.</a:t>
             </a:r>
           </a:p>
           <a:p>
@@ -6204,6 +6204,14 @@
             <a:r>
               <a:rPr/>
               <a:t>email me at imade.krisna@poltekapp.ac.id</a:t>
+            </a:r>
+            <a:br/>
+          </a:p>
+          <a:p>
+            <a:pPr lvl="0"/>
+            <a:r>
+              <a:rPr/>
+              <a:t>Typical length of course is $$120 mins</a:t>
             </a:r>
           </a:p>
         </p:txBody>
